--- a/ppt/IoT10-HTTP.pptx
+++ b/ppt/IoT10-HTTP.pptx
@@ -5,10 +5,10 @@
     <p:sldMasterId id="2147483653" r:id="rId1"/>
   </p:sldMasterIdLst>
   <p:notesMasterIdLst>
-    <p:notesMasterId r:id="rId9"/>
+    <p:notesMasterId r:id="rId10"/>
   </p:notesMasterIdLst>
   <p:handoutMasterIdLst>
-    <p:handoutMasterId r:id="rId10"/>
+    <p:handoutMasterId r:id="rId11"/>
   </p:handoutMasterIdLst>
   <p:sldIdLst>
     <p:sldId id="264" r:id="rId2"/>
@@ -18,6 +18,7 @@
     <p:sldId id="269" r:id="rId6"/>
     <p:sldId id="270" r:id="rId7"/>
     <p:sldId id="271" r:id="rId8"/>
+    <p:sldId id="272" r:id="rId9"/>
   </p:sldIdLst>
   <p:sldSz cx="9144000" cy="6858000" type="screen4x3"/>
   <p:notesSz cx="6648450" cy="9782175"/>
@@ -610,35 +611,35 @@
           <a:p>
             <a:pPr lvl="0"/>
             <a:r>
-              <a:rPr lang="fr-FR" noProof="0" smtClean="0"/>
+              <a:rPr lang="fr-FR" noProof="0"/>
               <a:t>Cliquez pour modifier les styles du texte du masque</a:t>
             </a:r>
           </a:p>
           <a:p>
             <a:pPr lvl="1"/>
             <a:r>
-              <a:rPr lang="fr-FR" noProof="0" smtClean="0"/>
+              <a:rPr lang="fr-FR" noProof="0"/>
               <a:t>Deuxième niveau</a:t>
             </a:r>
           </a:p>
           <a:p>
             <a:pPr lvl="2"/>
             <a:r>
-              <a:rPr lang="fr-FR" noProof="0" smtClean="0"/>
+              <a:rPr lang="fr-FR" noProof="0"/>
               <a:t>Troisième niveau</a:t>
             </a:r>
           </a:p>
           <a:p>
             <a:pPr lvl="3"/>
             <a:r>
-              <a:rPr lang="fr-FR" noProof="0" smtClean="0"/>
+              <a:rPr lang="fr-FR" noProof="0"/>
               <a:t>Quatrième niveau</a:t>
             </a:r>
           </a:p>
           <a:p>
             <a:pPr lvl="4"/>
             <a:r>
-              <a:rPr lang="fr-FR" noProof="0" smtClean="0"/>
+              <a:rPr lang="fr-FR" noProof="0"/>
               <a:t>Cinquième niveau</a:t>
             </a:r>
           </a:p>
@@ -926,10 +927,9 @@
           <a:lstStyle/>
           <a:p>
             <a:r>
-              <a:rPr lang="fr-FR" smtClean="0"/>
+              <a:rPr lang="fr-FR"/>
               <a:t>Cliquez pour modifier le style du titre</a:t>
             </a:r>
-            <a:endParaRPr lang="fr-FR"/>
           </a:p>
         </p:txBody>
       </p:sp>
@@ -991,10 +991,9 @@
           </a:lstStyle>
           <a:p>
             <a:r>
-              <a:rPr lang="fr-FR" smtClean="0"/>
+              <a:rPr lang="fr-FR"/>
               <a:t>Cliquez pour modifier le style des sous-titres du masque</a:t>
             </a:r>
-            <a:endParaRPr lang="fr-FR"/>
           </a:p>
         </p:txBody>
       </p:sp>
@@ -1049,10 +1048,9 @@
           <a:lstStyle/>
           <a:p>
             <a:r>
-              <a:rPr lang="fr-FR" smtClean="0"/>
+              <a:rPr lang="fr-FR"/>
               <a:t>Cliquez pour modifier le style du titre</a:t>
             </a:r>
-            <a:endParaRPr lang="fr-FR"/>
           </a:p>
         </p:txBody>
       </p:sp>
@@ -1078,38 +1076,37 @@
           <a:p>
             <a:pPr lvl="0"/>
             <a:r>
-              <a:rPr lang="fr-FR" smtClean="0"/>
+              <a:rPr lang="fr-FR"/>
               <a:t>Cliquez pour modifier les styles du texte du masque</a:t>
             </a:r>
           </a:p>
           <a:p>
             <a:pPr lvl="1"/>
             <a:r>
-              <a:rPr lang="fr-FR" smtClean="0"/>
+              <a:rPr lang="fr-FR"/>
               <a:t>Deuxième niveau</a:t>
             </a:r>
           </a:p>
           <a:p>
             <a:pPr lvl="2"/>
             <a:r>
-              <a:rPr lang="fr-FR" smtClean="0"/>
+              <a:rPr lang="fr-FR"/>
               <a:t>Troisième niveau</a:t>
             </a:r>
           </a:p>
           <a:p>
             <a:pPr lvl="3"/>
             <a:r>
-              <a:rPr lang="fr-FR" smtClean="0"/>
+              <a:rPr lang="fr-FR"/>
               <a:t>Quatrième niveau</a:t>
             </a:r>
           </a:p>
           <a:p>
             <a:pPr lvl="4"/>
             <a:r>
-              <a:rPr lang="fr-FR" smtClean="0"/>
+              <a:rPr lang="fr-FR"/>
               <a:t>Cinquième niveau</a:t>
             </a:r>
-            <a:endParaRPr lang="fr-FR"/>
           </a:p>
         </p:txBody>
       </p:sp>
@@ -1168,10 +1165,9 @@
           </a:lstStyle>
           <a:p>
             <a:r>
-              <a:rPr lang="fr-FR" dirty="0" smtClean="0"/>
+              <a:rPr lang="fr-FR" dirty="0"/>
               <a:t>Cliquez pour modifier le style du titre</a:t>
             </a:r>
-            <a:endParaRPr lang="fr-FR" dirty="0"/>
           </a:p>
         </p:txBody>
       </p:sp>
@@ -1197,38 +1193,37 @@
           <a:p>
             <a:pPr lvl="0"/>
             <a:r>
-              <a:rPr lang="fr-FR" dirty="0" smtClean="0"/>
+              <a:rPr lang="fr-FR" dirty="0"/>
               <a:t>Cliquez pour modifier les styles du texte du masque</a:t>
             </a:r>
           </a:p>
           <a:p>
             <a:pPr lvl="1"/>
             <a:r>
-              <a:rPr lang="fr-FR" dirty="0" smtClean="0"/>
+              <a:rPr lang="fr-FR" dirty="0"/>
               <a:t>Deuxième niveau</a:t>
             </a:r>
           </a:p>
           <a:p>
             <a:pPr lvl="2"/>
             <a:r>
-              <a:rPr lang="fr-FR" dirty="0" smtClean="0"/>
+              <a:rPr lang="fr-FR" dirty="0"/>
               <a:t>Troisième niveau</a:t>
             </a:r>
           </a:p>
           <a:p>
             <a:pPr lvl="3"/>
             <a:r>
-              <a:rPr lang="fr-FR" dirty="0" smtClean="0"/>
+              <a:rPr lang="fr-FR" dirty="0"/>
               <a:t>Quatrième niveau</a:t>
             </a:r>
           </a:p>
           <a:p>
             <a:pPr lvl="4"/>
             <a:r>
-              <a:rPr lang="fr-FR" dirty="0" smtClean="0"/>
+              <a:rPr lang="fr-FR" dirty="0"/>
               <a:t>Cinquième niveau</a:t>
             </a:r>
-            <a:endParaRPr lang="fr-FR" dirty="0"/>
           </a:p>
         </p:txBody>
       </p:sp>
@@ -1278,10 +1273,9 @@
           <a:lstStyle/>
           <a:p>
             <a:r>
-              <a:rPr lang="fr-FR" smtClean="0"/>
+              <a:rPr lang="fr-FR"/>
               <a:t>Cliquez pour modifier le style du titre</a:t>
             </a:r>
-            <a:endParaRPr lang="fr-FR"/>
           </a:p>
         </p:txBody>
       </p:sp>
@@ -1335,38 +1329,37 @@
           <a:p>
             <a:pPr lvl="0"/>
             <a:r>
-              <a:rPr lang="fr-FR" smtClean="0"/>
+              <a:rPr lang="fr-FR"/>
               <a:t>Cliquez pour modifier les styles du texte du masque</a:t>
             </a:r>
           </a:p>
           <a:p>
             <a:pPr lvl="1"/>
             <a:r>
-              <a:rPr lang="fr-FR" smtClean="0"/>
+              <a:rPr lang="fr-FR"/>
               <a:t>Deuxième niveau</a:t>
             </a:r>
           </a:p>
           <a:p>
             <a:pPr lvl="2"/>
             <a:r>
-              <a:rPr lang="fr-FR" smtClean="0"/>
+              <a:rPr lang="fr-FR"/>
               <a:t>Troisième niveau</a:t>
             </a:r>
           </a:p>
           <a:p>
             <a:pPr lvl="3"/>
             <a:r>
-              <a:rPr lang="fr-FR" smtClean="0"/>
+              <a:rPr lang="fr-FR"/>
               <a:t>Quatrième niveau</a:t>
             </a:r>
           </a:p>
           <a:p>
             <a:pPr lvl="4"/>
             <a:r>
-              <a:rPr lang="fr-FR" smtClean="0"/>
+              <a:rPr lang="fr-FR"/>
               <a:t>Cinquième niveau</a:t>
             </a:r>
-            <a:endParaRPr lang="fr-FR"/>
           </a:p>
         </p:txBody>
       </p:sp>
@@ -1420,38 +1413,37 @@
           <a:p>
             <a:pPr lvl="0"/>
             <a:r>
-              <a:rPr lang="fr-FR" smtClean="0"/>
+              <a:rPr lang="fr-FR"/>
               <a:t>Cliquez pour modifier les styles du texte du masque</a:t>
             </a:r>
           </a:p>
           <a:p>
             <a:pPr lvl="1"/>
             <a:r>
-              <a:rPr lang="fr-FR" smtClean="0"/>
+              <a:rPr lang="fr-FR"/>
               <a:t>Deuxième niveau</a:t>
             </a:r>
           </a:p>
           <a:p>
             <a:pPr lvl="2"/>
             <a:r>
-              <a:rPr lang="fr-FR" smtClean="0"/>
+              <a:rPr lang="fr-FR"/>
               <a:t>Troisième niveau</a:t>
             </a:r>
           </a:p>
           <a:p>
             <a:pPr lvl="3"/>
             <a:r>
-              <a:rPr lang="fr-FR" smtClean="0"/>
+              <a:rPr lang="fr-FR"/>
               <a:t>Quatrième niveau</a:t>
             </a:r>
           </a:p>
           <a:p>
             <a:pPr lvl="4"/>
             <a:r>
-              <a:rPr lang="fr-FR" smtClean="0"/>
+              <a:rPr lang="fr-FR"/>
               <a:t>Cinquième niveau</a:t>
             </a:r>
-            <a:endParaRPr lang="fr-FR"/>
           </a:p>
         </p:txBody>
       </p:sp>
@@ -1510,10 +1502,9 @@
           </a:lstStyle>
           <a:p>
             <a:r>
-              <a:rPr lang="fr-FR" smtClean="0"/>
+              <a:rPr lang="fr-FR"/>
               <a:t>Cliquez pour modifier le style du titre</a:t>
             </a:r>
-            <a:endParaRPr lang="fr-FR"/>
           </a:p>
         </p:txBody>
       </p:sp>
@@ -1576,7 +1567,7 @@
           <a:p>
             <a:pPr lvl="0"/>
             <a:r>
-              <a:rPr lang="fr-FR" smtClean="0"/>
+              <a:rPr lang="fr-FR"/>
               <a:t>Cliquez pour modifier les styles du texte du masque</a:t>
             </a:r>
           </a:p>
@@ -1632,38 +1623,37 @@
           <a:p>
             <a:pPr lvl="0"/>
             <a:r>
-              <a:rPr lang="fr-FR" smtClean="0"/>
+              <a:rPr lang="fr-FR"/>
               <a:t>Cliquez pour modifier les styles du texte du masque</a:t>
             </a:r>
           </a:p>
           <a:p>
             <a:pPr lvl="1"/>
             <a:r>
-              <a:rPr lang="fr-FR" smtClean="0"/>
+              <a:rPr lang="fr-FR"/>
               <a:t>Deuxième niveau</a:t>
             </a:r>
           </a:p>
           <a:p>
             <a:pPr lvl="2"/>
             <a:r>
-              <a:rPr lang="fr-FR" smtClean="0"/>
+              <a:rPr lang="fr-FR"/>
               <a:t>Troisième niveau</a:t>
             </a:r>
           </a:p>
           <a:p>
             <a:pPr lvl="3"/>
             <a:r>
-              <a:rPr lang="fr-FR" smtClean="0"/>
+              <a:rPr lang="fr-FR"/>
               <a:t>Quatrième niveau</a:t>
             </a:r>
           </a:p>
           <a:p>
             <a:pPr lvl="4"/>
             <a:r>
-              <a:rPr lang="fr-FR" smtClean="0"/>
+              <a:rPr lang="fr-FR"/>
               <a:t>Cinquième niveau</a:t>
             </a:r>
-            <a:endParaRPr lang="fr-FR"/>
           </a:p>
         </p:txBody>
       </p:sp>
@@ -1726,7 +1716,7 @@
           <a:p>
             <a:pPr lvl="0"/>
             <a:r>
-              <a:rPr lang="fr-FR" smtClean="0"/>
+              <a:rPr lang="fr-FR"/>
               <a:t>Cliquez pour modifier les styles du texte du masque</a:t>
             </a:r>
           </a:p>
@@ -1782,38 +1772,37 @@
           <a:p>
             <a:pPr lvl="0"/>
             <a:r>
-              <a:rPr lang="fr-FR" smtClean="0"/>
+              <a:rPr lang="fr-FR"/>
               <a:t>Cliquez pour modifier les styles du texte du masque</a:t>
             </a:r>
           </a:p>
           <a:p>
             <a:pPr lvl="1"/>
             <a:r>
-              <a:rPr lang="fr-FR" smtClean="0"/>
+              <a:rPr lang="fr-FR"/>
               <a:t>Deuxième niveau</a:t>
             </a:r>
           </a:p>
           <a:p>
             <a:pPr lvl="2"/>
             <a:r>
-              <a:rPr lang="fr-FR" smtClean="0"/>
+              <a:rPr lang="fr-FR"/>
               <a:t>Troisième niveau</a:t>
             </a:r>
           </a:p>
           <a:p>
             <a:pPr lvl="3"/>
             <a:r>
-              <a:rPr lang="fr-FR" smtClean="0"/>
+              <a:rPr lang="fr-FR"/>
               <a:t>Quatrième niveau</a:t>
             </a:r>
           </a:p>
           <a:p>
             <a:pPr lvl="4"/>
             <a:r>
-              <a:rPr lang="fr-FR" smtClean="0"/>
+              <a:rPr lang="fr-FR"/>
               <a:t>Cinquième niveau</a:t>
             </a:r>
-            <a:endParaRPr lang="fr-FR"/>
           </a:p>
         </p:txBody>
       </p:sp>
@@ -1863,10 +1852,9 @@
           <a:lstStyle/>
           <a:p>
             <a:r>
-              <a:rPr lang="fr-FR" smtClean="0"/>
+              <a:rPr lang="fr-FR"/>
               <a:t>Cliquez pour modifier le style du titre</a:t>
             </a:r>
-            <a:endParaRPr lang="fr-FR"/>
           </a:p>
         </p:txBody>
       </p:sp>
@@ -1955,10 +1943,9 @@
           </a:lstStyle>
           <a:p>
             <a:r>
-              <a:rPr lang="fr-FR" smtClean="0"/>
+              <a:rPr lang="fr-FR"/>
               <a:t>Cliquez pour modifier le style du titre</a:t>
             </a:r>
-            <a:endParaRPr lang="fr-FR"/>
           </a:p>
         </p:txBody>
       </p:sp>
@@ -2012,38 +1999,37 @@
           <a:p>
             <a:pPr lvl="0"/>
             <a:r>
-              <a:rPr lang="fr-FR" smtClean="0"/>
+              <a:rPr lang="fr-FR"/>
               <a:t>Cliquez pour modifier les styles du texte du masque</a:t>
             </a:r>
           </a:p>
           <a:p>
             <a:pPr lvl="1"/>
             <a:r>
-              <a:rPr lang="fr-FR" smtClean="0"/>
+              <a:rPr lang="fr-FR"/>
               <a:t>Deuxième niveau</a:t>
             </a:r>
           </a:p>
           <a:p>
             <a:pPr lvl="2"/>
             <a:r>
-              <a:rPr lang="fr-FR" smtClean="0"/>
+              <a:rPr lang="fr-FR"/>
               <a:t>Troisième niveau</a:t>
             </a:r>
           </a:p>
           <a:p>
             <a:pPr lvl="3"/>
             <a:r>
-              <a:rPr lang="fr-FR" smtClean="0"/>
+              <a:rPr lang="fr-FR"/>
               <a:t>Quatrième niveau</a:t>
             </a:r>
           </a:p>
           <a:p>
             <a:pPr lvl="4"/>
             <a:r>
-              <a:rPr lang="fr-FR" smtClean="0"/>
+              <a:rPr lang="fr-FR"/>
               <a:t>Cinquième niveau</a:t>
             </a:r>
-            <a:endParaRPr lang="fr-FR"/>
           </a:p>
         </p:txBody>
       </p:sp>
@@ -2106,7 +2092,7 @@
           <a:p>
             <a:pPr lvl="0"/>
             <a:r>
-              <a:rPr lang="fr-FR" smtClean="0"/>
+              <a:rPr lang="fr-FR"/>
               <a:t>Cliquez pour modifier les styles du texte du masque</a:t>
             </a:r>
           </a:p>
@@ -2167,10 +2153,9 @@
           </a:lstStyle>
           <a:p>
             <a:r>
-              <a:rPr lang="fr-FR" smtClean="0"/>
+              <a:rPr lang="fr-FR"/>
               <a:t>Cliquez pour modifier le style du titre</a:t>
             </a:r>
-            <a:endParaRPr lang="fr-FR"/>
           </a:p>
         </p:txBody>
       </p:sp>
@@ -2232,7 +2217,7 @@
           </a:lstStyle>
           <a:p>
             <a:pPr lvl="0"/>
-            <a:endParaRPr lang="fr-FR" noProof="0" smtClean="0"/>
+            <a:endParaRPr lang="fr-FR" noProof="0"/>
           </a:p>
         </p:txBody>
       </p:sp>
@@ -2295,7 +2280,7 @@
           <a:p>
             <a:pPr lvl="0"/>
             <a:r>
-              <a:rPr lang="fr-FR" smtClean="0"/>
+              <a:rPr lang="fr-FR"/>
               <a:t>Cliquez pour modifier les styles du texte du masque</a:t>
             </a:r>
           </a:p>
@@ -2347,10 +2332,9 @@
           <a:lstStyle/>
           <a:p>
             <a:r>
-              <a:rPr lang="fr-FR" smtClean="0"/>
+              <a:rPr lang="fr-FR"/>
               <a:t>Cliquez pour modifier le style du titre</a:t>
             </a:r>
-            <a:endParaRPr lang="fr-FR"/>
           </a:p>
         </p:txBody>
       </p:sp>
@@ -2371,38 +2355,37 @@
           <a:p>
             <a:pPr lvl="0"/>
             <a:r>
-              <a:rPr lang="fr-FR" smtClean="0"/>
+              <a:rPr lang="fr-FR"/>
               <a:t>Cliquez pour modifier les styles du texte du masque</a:t>
             </a:r>
           </a:p>
           <a:p>
             <a:pPr lvl="1"/>
             <a:r>
-              <a:rPr lang="fr-FR" smtClean="0"/>
+              <a:rPr lang="fr-FR"/>
               <a:t>Deuxième niveau</a:t>
             </a:r>
           </a:p>
           <a:p>
             <a:pPr lvl="2"/>
             <a:r>
-              <a:rPr lang="fr-FR" smtClean="0"/>
+              <a:rPr lang="fr-FR"/>
               <a:t>Troisième niveau</a:t>
             </a:r>
           </a:p>
           <a:p>
             <a:pPr lvl="3"/>
             <a:r>
-              <a:rPr lang="fr-FR" smtClean="0"/>
+              <a:rPr lang="fr-FR"/>
               <a:t>Quatrième niveau</a:t>
             </a:r>
           </a:p>
           <a:p>
             <a:pPr lvl="4"/>
             <a:r>
-              <a:rPr lang="fr-FR" smtClean="0"/>
+              <a:rPr lang="fr-FR"/>
               <a:t>Cinquième niveau</a:t>
             </a:r>
-            <a:endParaRPr lang="fr-FR"/>
           </a:p>
         </p:txBody>
       </p:sp>
@@ -2583,7 +2566,7 @@
             <a:pPr eaLnBrk="1" hangingPunct="1">
               <a:defRPr/>
             </a:pPr>
-            <a:endParaRPr lang="fr-FR" altLang="fr-FR" smtClean="0"/>
+            <a:endParaRPr lang="fr-FR" altLang="fr-FR"/>
           </a:p>
         </p:txBody>
       </p:sp>
@@ -2737,7 +2720,7 @@
               <a:defRPr/>
             </a:pPr>
             <a:r>
-              <a:rPr lang="fr-FR" sz="1200" dirty="0" smtClean="0"/>
+              <a:rPr lang="fr-FR" sz="1200" dirty="0"/>
               <a:t>Page </a:t>
             </a:r>
             <a:fld id="{E218E9B1-FD08-4C80-902E-210BA2967D0D}" type="slidenum">
@@ -2750,7 +2733,7 @@
               </a:pPr>
               <a:t>‹N°›</a:t>
             </a:fld>
-            <a:endParaRPr lang="fr-FR" dirty="0" smtClean="0">
+            <a:endParaRPr lang="fr-FR" dirty="0">
               <a:latin typeface="Times New Roman" pitchFamily="18" charset="0"/>
             </a:endParaRPr>
           </a:p>
@@ -2906,10 +2889,10 @@
               <a:defRPr/>
             </a:pPr>
             <a:r>
-              <a:rPr lang="fr-FR" sz="1600" dirty="0" err="1" smtClean="0"/>
+              <a:rPr lang="fr-FR" sz="1600" dirty="0" err="1"/>
               <a:t>IoT</a:t>
             </a:r>
-            <a:endParaRPr lang="fr-FR" dirty="0" smtClean="0">
+            <a:endParaRPr lang="fr-FR" dirty="0">
               <a:latin typeface="Times New Roman" pitchFamily="18" charset="0"/>
             </a:endParaRPr>
           </a:p>
@@ -2967,7 +2950,7 @@
           <a:p>
             <a:pPr lvl="0"/>
             <a:r>
-              <a:rPr lang="fr-FR" altLang="fr-FR" smtClean="0"/>
+              <a:rPr lang="fr-FR" altLang="fr-FR"/>
               <a:t>Cliquez pour modifier le style du titre du masque</a:t>
             </a:r>
           </a:p>
@@ -3025,35 +3008,35 @@
           <a:p>
             <a:pPr lvl="0"/>
             <a:r>
-              <a:rPr lang="fr-FR" altLang="fr-FR" smtClean="0"/>
+              <a:rPr lang="fr-FR" altLang="fr-FR"/>
               <a:t>Cliquez pour modifier les styles du texte du masque</a:t>
             </a:r>
           </a:p>
           <a:p>
             <a:pPr lvl="1"/>
             <a:r>
-              <a:rPr lang="fr-FR" altLang="fr-FR" smtClean="0"/>
+              <a:rPr lang="fr-FR" altLang="fr-FR"/>
               <a:t>Deuxième niveau</a:t>
             </a:r>
           </a:p>
           <a:p>
             <a:pPr lvl="2"/>
             <a:r>
-              <a:rPr lang="fr-FR" altLang="fr-FR" smtClean="0"/>
+              <a:rPr lang="fr-FR" altLang="fr-FR"/>
               <a:t>Troisième niveau</a:t>
             </a:r>
           </a:p>
           <a:p>
             <a:pPr lvl="3"/>
             <a:r>
-              <a:rPr lang="fr-FR" altLang="fr-FR" smtClean="0"/>
+              <a:rPr lang="fr-FR" altLang="fr-FR"/>
               <a:t>Quatrième niveau</a:t>
             </a:r>
           </a:p>
           <a:p>
             <a:pPr lvl="4"/>
             <a:r>
-              <a:rPr lang="fr-FR" altLang="fr-FR" smtClean="0"/>
+              <a:rPr lang="fr-FR" altLang="fr-FR"/>
               <a:t>Cinquième niveau</a:t>
             </a:r>
           </a:p>
@@ -3209,10 +3192,10 @@
               <a:defRPr/>
             </a:pPr>
             <a:r>
-              <a:rPr lang="fr-FR" sz="1200" smtClean="0"/>
+              <a:rPr lang="fr-FR" sz="1200"/>
               <a:t>© Cyril Vincent Conseil</a:t>
             </a:r>
-            <a:endParaRPr lang="fr-FR" smtClean="0">
+            <a:endParaRPr lang="fr-FR">
               <a:latin typeface="Times New Roman" pitchFamily="18" charset="0"/>
             </a:endParaRPr>
           </a:p>
@@ -3699,10 +3682,10 @@
           <a:p>
             <a:pPr eaLnBrk="1" hangingPunct="1"/>
             <a:r>
-              <a:rPr lang="fr-FR" altLang="fr-FR" dirty="0" err="1" smtClean="0"/>
+              <a:rPr lang="fr-FR" altLang="fr-FR" dirty="0" err="1"/>
               <a:t>IoT</a:t>
             </a:r>
-            <a:endParaRPr lang="fr-FR" altLang="fr-FR" dirty="0" smtClean="0"/>
+            <a:endParaRPr lang="fr-FR" altLang="fr-FR" dirty="0"/>
           </a:p>
           <a:p>
             <a:pPr eaLnBrk="1" hangingPunct="1"/>
@@ -3711,22 +3694,16 @@
           <a:p>
             <a:pPr eaLnBrk="1" hangingPunct="1"/>
             <a:r>
-              <a:rPr lang="fr-FR" altLang="fr-FR" dirty="0" smtClean="0"/>
-              <a:t>Chapitre </a:t>
-            </a:r>
-            <a:r>
-              <a:rPr lang="fr-FR" altLang="fr-FR" dirty="0" smtClean="0"/>
-              <a:t>10</a:t>
-            </a:r>
-            <a:endParaRPr lang="fr-FR" altLang="fr-FR" dirty="0" smtClean="0"/>
+              <a:rPr lang="fr-FR" altLang="fr-FR" dirty="0"/>
+              <a:t>Chapitre 10</a:t>
+            </a:r>
           </a:p>
           <a:p>
             <a:pPr eaLnBrk="1" hangingPunct="1"/>
             <a:r>
-              <a:rPr lang="fr-FR" altLang="fr-FR" dirty="0" smtClean="0"/>
+              <a:rPr lang="fr-FR" altLang="fr-FR" dirty="0"/>
               <a:t>HTTP</a:t>
             </a:r>
-            <a:endParaRPr lang="fr-FR" altLang="fr-FR" dirty="0" smtClean="0"/>
           </a:p>
         </p:txBody>
       </p:sp>
@@ -3735,13 +3712,6 @@
   <p:clrMapOvr>
     <a:masterClrMapping/>
   </p:clrMapOvr>
-  <p:timing>
-    <p:tnLst>
-      <p:par>
-        <p:cTn id="1" dur="indefinite" restart="never" nodeType="tmRoot"/>
-      </p:par>
-    </p:tnLst>
-  </p:timing>
 </p:sld>
 </file>
 
@@ -3778,10 +3748,9 @@
           <a:lstStyle/>
           <a:p>
             <a:r>
-              <a:rPr lang="fr-FR" dirty="0" smtClean="0"/>
+              <a:rPr lang="fr-FR" dirty="0"/>
               <a:t>Web</a:t>
             </a:r>
-            <a:endParaRPr lang="fr-FR" dirty="0"/>
           </a:p>
         </p:txBody>
       </p:sp>
@@ -3801,43 +3770,42 @@
           <a:lstStyle/>
           <a:p>
             <a:r>
-              <a:rPr lang="fr-FR" dirty="0" smtClean="0"/>
+              <a:rPr lang="fr-FR" dirty="0"/>
               <a:t>WWW</a:t>
             </a:r>
           </a:p>
           <a:p>
             <a:r>
-              <a:rPr lang="fr-FR" dirty="0" smtClean="0"/>
+              <a:rPr lang="fr-FR" dirty="0"/>
               <a:t>HTTP + HTML</a:t>
             </a:r>
           </a:p>
           <a:p>
             <a:r>
-              <a:rPr lang="fr-FR" dirty="0" smtClean="0"/>
+              <a:rPr lang="fr-FR" dirty="0"/>
               <a:t>Serveur Web + Client</a:t>
             </a:r>
           </a:p>
           <a:p>
             <a:r>
-              <a:rPr lang="fr-FR" dirty="0" smtClean="0"/>
+              <a:rPr lang="fr-FR" dirty="0"/>
               <a:t>Plusieurs modules Python savent faire du Web</a:t>
             </a:r>
           </a:p>
           <a:p>
             <a:pPr lvl="1"/>
             <a:r>
-              <a:rPr lang="fr-FR" dirty="0" err="1" smtClean="0"/>
+              <a:rPr lang="fr-FR" dirty="0" err="1"/>
               <a:t>Flask</a:t>
             </a:r>
-            <a:endParaRPr lang="fr-FR" dirty="0" smtClean="0"/>
+            <a:endParaRPr lang="fr-FR" dirty="0"/>
           </a:p>
           <a:p>
             <a:pPr lvl="1"/>
             <a:r>
-              <a:rPr lang="fr-FR" dirty="0" smtClean="0"/>
+              <a:rPr lang="fr-FR" dirty="0"/>
               <a:t>Django</a:t>
             </a:r>
-            <a:endParaRPr lang="fr-FR" dirty="0"/>
           </a:p>
         </p:txBody>
       </p:sp>
@@ -3887,56 +3855,56 @@
           <a:lstStyle/>
           <a:p>
             <a:r>
-              <a:rPr lang="fr-FR" dirty="0" err="1" smtClean="0"/>
+              <a:rPr lang="fr-FR" dirty="0" err="1"/>
               <a:t>Flask</a:t>
             </a:r>
-            <a:endParaRPr lang="fr-FR" dirty="0" smtClean="0"/>
-          </a:p>
-          <a:p>
-            <a:r>
-              <a:rPr lang="fr-FR" dirty="0" err="1" smtClean="0"/>
+            <a:endParaRPr lang="fr-FR" dirty="0"/>
+          </a:p>
+          <a:p>
+            <a:r>
+              <a:rPr lang="fr-FR" dirty="0" err="1"/>
               <a:t>Microframework</a:t>
             </a:r>
             <a:r>
-              <a:rPr lang="fr-FR" dirty="0" smtClean="0"/>
+              <a:rPr lang="fr-FR" dirty="0"/>
               <a:t> Web</a:t>
             </a:r>
           </a:p>
           <a:p>
             <a:r>
-              <a:rPr lang="fr-FR" dirty="0" smtClean="0"/>
+              <a:rPr lang="fr-FR" dirty="0"/>
               <a:t>Très simple</a:t>
             </a:r>
           </a:p>
           <a:p>
             <a:pPr lvl="1"/>
             <a:r>
-              <a:rPr lang="fr-FR" dirty="0" smtClean="0"/>
+              <a:rPr lang="fr-FR" dirty="0"/>
               <a:t>Contient un container Web</a:t>
             </a:r>
           </a:p>
           <a:p>
             <a:r>
-              <a:rPr lang="fr-FR" dirty="0" smtClean="0"/>
+              <a:rPr lang="fr-FR" dirty="0"/>
               <a:t>PIP </a:t>
             </a:r>
             <a:r>
-              <a:rPr lang="fr-FR" dirty="0" err="1" smtClean="0"/>
+              <a:rPr lang="fr-FR" dirty="0" err="1"/>
               <a:t>install</a:t>
             </a:r>
             <a:r>
-              <a:rPr lang="fr-FR" dirty="0" smtClean="0"/>
+              <a:rPr lang="fr-FR" dirty="0"/>
               <a:t> </a:t>
             </a:r>
             <a:r>
-              <a:rPr lang="fr-FR" dirty="0" err="1" smtClean="0"/>
+              <a:rPr lang="fr-FR" dirty="0" err="1"/>
               <a:t>Flask</a:t>
             </a:r>
-            <a:endParaRPr lang="fr-FR" dirty="0" smtClean="0"/>
-          </a:p>
-          <a:p>
-            <a:r>
-              <a:rPr lang="fr-FR" dirty="0" smtClean="0"/>
+            <a:endParaRPr lang="fr-FR" dirty="0"/>
+          </a:p>
+          <a:p>
+            <a:r>
+              <a:rPr lang="fr-FR" dirty="0"/>
               <a:t>http://localhost:5000</a:t>
             </a:r>
           </a:p>
@@ -4056,7 +4024,7 @@
           <a:lstStyle/>
           <a:p>
             <a:r>
-              <a:rPr lang="fr-FR" dirty="0" err="1" smtClean="0"/>
+              <a:rPr lang="fr-FR" dirty="0" err="1"/>
               <a:t>Features</a:t>
             </a:r>
             <a:endParaRPr lang="fr-FR" dirty="0"/>
@@ -4079,19 +4047,19 @@
           <a:lstStyle/>
           <a:p>
             <a:r>
-              <a:rPr lang="fr-FR" dirty="0" smtClean="0"/>
+              <a:rPr lang="fr-FR" dirty="0"/>
               <a:t>Debugger spécialisé</a:t>
             </a:r>
           </a:p>
           <a:p>
             <a:r>
-              <a:rPr lang="fr-FR" dirty="0" smtClean="0"/>
+              <a:rPr lang="fr-FR" dirty="0"/>
               <a:t>Tests unitaires spécialisés</a:t>
             </a:r>
           </a:p>
           <a:p>
             <a:r>
-              <a:rPr lang="fr-FR" dirty="0" smtClean="0"/>
+              <a:rPr lang="fr-FR" dirty="0"/>
               <a:t>API REST</a:t>
             </a:r>
           </a:p>
@@ -4146,10 +4114,9 @@
           <a:lstStyle/>
           <a:p>
             <a:r>
-              <a:rPr lang="fr-FR" dirty="0" smtClean="0"/>
+              <a:rPr lang="fr-FR" dirty="0"/>
               <a:t>Routes</a:t>
             </a:r>
-            <a:endParaRPr lang="fr-FR" dirty="0"/>
           </a:p>
         </p:txBody>
       </p:sp>
@@ -4169,10 +4136,9 @@
           <a:lstStyle/>
           <a:p>
             <a:r>
-              <a:rPr lang="fr-FR" dirty="0" smtClean="0"/>
+              <a:rPr lang="fr-FR" dirty="0"/>
               <a:t>Permet de redéfinir des URL</a:t>
             </a:r>
-            <a:endParaRPr lang="fr-FR" dirty="0"/>
           </a:p>
         </p:txBody>
       </p:sp>
@@ -4270,10 +4236,9 @@
           <a:lstStyle/>
           <a:p>
             <a:r>
-              <a:rPr lang="fr-FR" dirty="0" smtClean="0"/>
+              <a:rPr lang="fr-FR" dirty="0"/>
               <a:t>HTTP</a:t>
             </a:r>
-            <a:endParaRPr lang="fr-FR" dirty="0"/>
           </a:p>
         </p:txBody>
       </p:sp>
@@ -4293,17 +4258,17 @@
           <a:lstStyle/>
           <a:p>
             <a:r>
-              <a:rPr lang="fr-FR" dirty="0" err="1" smtClean="0"/>
+              <a:rPr lang="fr-FR" dirty="0" err="1"/>
               <a:t>HTTPLib</a:t>
             </a:r>
             <a:r>
-              <a:rPr lang="fr-FR" dirty="0" smtClean="0"/>
+              <a:rPr lang="fr-FR" dirty="0"/>
               <a:t> permet d’effectuer des requêtes HTTP</a:t>
             </a:r>
           </a:p>
           <a:p>
             <a:r>
-              <a:rPr lang="fr-FR" dirty="0" smtClean="0"/>
+              <a:rPr lang="fr-FR" dirty="0"/>
               <a:t>Très utile pour « aspirer » des pages</a:t>
             </a:r>
           </a:p>
@@ -4382,14 +4347,13 @@
           <a:lstStyle/>
           <a:p>
             <a:r>
-              <a:rPr lang="fr-FR" dirty="0" err="1" smtClean="0"/>
+              <a:rPr lang="fr-FR" dirty="0" err="1"/>
               <a:t>Flask</a:t>
             </a:r>
             <a:r>
-              <a:rPr lang="fr-FR" dirty="0" smtClean="0"/>
+              <a:rPr lang="fr-FR" dirty="0"/>
               <a:t> Avancé</a:t>
             </a:r>
-            <a:endParaRPr lang="fr-FR" dirty="0"/>
           </a:p>
         </p:txBody>
       </p:sp>
@@ -4409,56 +4373,55 @@
           <a:lstStyle/>
           <a:p>
             <a:r>
-              <a:rPr lang="fr-FR" dirty="0" smtClean="0"/>
+              <a:rPr lang="fr-FR" dirty="0"/>
               <a:t>Jinja 2 permet d'avoir des </a:t>
             </a:r>
             <a:r>
-              <a:rPr lang="fr-FR" dirty="0" err="1" smtClean="0"/>
+              <a:rPr lang="fr-FR" dirty="0" err="1"/>
               <a:t>templates</a:t>
             </a:r>
             <a:r>
-              <a:rPr lang="fr-FR" dirty="0" smtClean="0"/>
+              <a:rPr lang="fr-FR" dirty="0"/>
               <a:t> de page HTML</a:t>
             </a:r>
           </a:p>
           <a:p>
             <a:r>
-              <a:rPr lang="fr-FR" dirty="0" err="1" smtClean="0"/>
+              <a:rPr lang="fr-FR" dirty="0" err="1"/>
               <a:t>Flask</a:t>
             </a:r>
             <a:r>
-              <a:rPr lang="fr-FR" dirty="0" smtClean="0"/>
+              <a:rPr lang="fr-FR" dirty="0"/>
               <a:t>-CORS permet de faire du XSS</a:t>
             </a:r>
           </a:p>
           <a:p>
             <a:r>
-              <a:rPr lang="fr-FR" dirty="0" err="1" smtClean="0"/>
-              <a:t>Flask-Websocke</a:t>
-            </a:r>
-            <a:r>
-              <a:rPr lang="fr-FR" dirty="0" smtClean="0"/>
-              <a:t> permet de faire du Push</a:t>
-            </a:r>
-          </a:p>
-          <a:p>
-            <a:r>
-              <a:rPr lang="fr-FR" dirty="0" smtClean="0"/>
+              <a:rPr lang="fr-FR" dirty="0"/>
+              <a:t>Flask-</a:t>
+            </a:r>
+            <a:r>
+              <a:rPr lang="fr-FR"/>
+              <a:t>Websocket </a:t>
+            </a:r>
+            <a:r>
+              <a:rPr lang="fr-FR" dirty="0"/>
+              <a:t>permet de faire du Push</a:t>
+            </a:r>
+          </a:p>
+          <a:p>
+            <a:r>
+              <a:rPr lang="fr-FR" dirty="0"/>
               <a:t>Devrait être combiné à </a:t>
             </a:r>
             <a:r>
-              <a:rPr lang="fr-FR" dirty="0" err="1" smtClean="0"/>
+              <a:rPr lang="fr-FR" dirty="0" err="1"/>
               <a:t>Angular</a:t>
             </a:r>
             <a:r>
-              <a:rPr lang="fr-FR" dirty="0" smtClean="0"/>
-              <a:t> pour avoir un site </a:t>
-            </a:r>
-            <a:r>
-              <a:rPr lang="fr-FR" smtClean="0"/>
-              <a:t>web moderne</a:t>
-            </a:r>
-            <a:endParaRPr lang="fr-FR" dirty="0" smtClean="0"/>
+              <a:rPr lang="fr-FR" dirty="0"/>
+              <a:t> pour avoir un site web moderne</a:t>
+            </a:r>
           </a:p>
           <a:p>
             <a:endParaRPr lang="fr-FR" dirty="0"/>
@@ -4469,6 +4432,280 @@
     <p:extLst>
       <p:ext uri="{BB962C8B-B14F-4D97-AF65-F5344CB8AC3E}">
         <p14:creationId xmlns:p14="http://schemas.microsoft.com/office/powerpoint/2010/main" val="2931689853"/>
+      </p:ext>
+    </p:extLst>
+  </p:cSld>
+  <p:clrMapOvr>
+    <a:masterClrMapping/>
+  </p:clrMapOvr>
+</p:sld>
+</file>
+
+<file path=ppt/slides/slide8.xml><?xml version="1.0" encoding="utf-8"?>
+<p:sld xmlns:a="http://schemas.openxmlformats.org/drawingml/2006/main" xmlns:r="http://schemas.openxmlformats.org/officeDocument/2006/relationships" xmlns:p="http://schemas.openxmlformats.org/presentationml/2006/main">
+  <p:cSld>
+    <p:spTree>
+      <p:nvGrpSpPr>
+        <p:cNvPr id="1" name=""/>
+        <p:cNvGrpSpPr/>
+        <p:nvPr/>
+      </p:nvGrpSpPr>
+      <p:grpSpPr>
+        <a:xfrm>
+          <a:off x="0" y="0"/>
+          <a:ext cx="0" cy="0"/>
+          <a:chOff x="0" y="0"/>
+          <a:chExt cx="0" cy="0"/>
+        </a:xfrm>
+      </p:grpSpPr>
+      <p:sp>
+        <p:nvSpPr>
+          <p:cNvPr id="2" name="Titre 1">
+            <a:extLst>
+              <a:ext uri="{FF2B5EF4-FFF2-40B4-BE49-F238E27FC236}">
+                <a16:creationId xmlns:a16="http://schemas.microsoft.com/office/drawing/2014/main" id="{71427F87-1767-42C3-8FE6-7889A4F9980D}"/>
+              </a:ext>
+            </a:extLst>
+          </p:cNvPr>
+          <p:cNvSpPr>
+            <a:spLocks noGrp="1"/>
+          </p:cNvSpPr>
+          <p:nvPr>
+            <p:ph type="title"/>
+          </p:nvPr>
+        </p:nvSpPr>
+        <p:spPr/>
+        <p:txBody>
+          <a:bodyPr/>
+          <a:lstStyle/>
+          <a:p>
+            <a:r>
+              <a:rPr lang="fr-FR" dirty="0"/>
+              <a:t>Démarrer automatiquement un programme</a:t>
+            </a:r>
+          </a:p>
+        </p:txBody>
+      </p:sp>
+      <p:sp>
+        <p:nvSpPr>
+          <p:cNvPr id="3" name="Espace réservé du contenu 2">
+            <a:extLst>
+              <a:ext uri="{FF2B5EF4-FFF2-40B4-BE49-F238E27FC236}">
+                <a16:creationId xmlns:a16="http://schemas.microsoft.com/office/drawing/2014/main" id="{E0B4C516-BC1B-4094-B43A-5B6B77C1115A}"/>
+              </a:ext>
+            </a:extLst>
+          </p:cNvPr>
+          <p:cNvSpPr>
+            <a:spLocks noGrp="1"/>
+          </p:cNvSpPr>
+          <p:nvPr>
+            <p:ph idx="1"/>
+          </p:nvPr>
+        </p:nvSpPr>
+        <p:spPr/>
+        <p:txBody>
+          <a:bodyPr/>
+          <a:lstStyle/>
+          <a:p>
+            <a:r>
+              <a:rPr lang="fr-FR" dirty="0"/>
+              <a:t>Créer un nouveau ficher dans /</a:t>
+            </a:r>
+            <a:r>
+              <a:rPr lang="fr-FR" dirty="0" err="1"/>
+              <a:t>etc</a:t>
+            </a:r>
+            <a:r>
+              <a:rPr lang="fr-FR" dirty="0"/>
+              <a:t>/</a:t>
+            </a:r>
+            <a:r>
+              <a:rPr lang="fr-FR" dirty="0" err="1"/>
+              <a:t>init.d</a:t>
+            </a:r>
+            <a:endParaRPr lang="fr-FR" dirty="0"/>
+          </a:p>
+          <a:p>
+            <a:r>
+              <a:rPr lang="fr-FR" dirty="0" err="1"/>
+              <a:t>sudo</a:t>
+            </a:r>
+            <a:r>
+              <a:rPr lang="fr-FR" dirty="0"/>
+              <a:t> nano /</a:t>
+            </a:r>
+            <a:r>
+              <a:rPr lang="fr-FR" dirty="0" err="1"/>
+              <a:t>etc</a:t>
+            </a:r>
+            <a:r>
+              <a:rPr lang="fr-FR" dirty="0"/>
+              <a:t>/</a:t>
+            </a:r>
+            <a:r>
+              <a:rPr lang="fr-FR" dirty="0" err="1"/>
+              <a:t>init.d</a:t>
+            </a:r>
+            <a:r>
+              <a:rPr lang="fr-FR" dirty="0"/>
+              <a:t>/</a:t>
+            </a:r>
+            <a:r>
+              <a:rPr lang="fr-FR" dirty="0" err="1"/>
+              <a:t>myservice</a:t>
+            </a:r>
+            <a:endParaRPr lang="fr-FR" dirty="0"/>
+          </a:p>
+          <a:p>
+            <a:pPr marL="457200" lvl="1" indent="0">
+              <a:buNone/>
+            </a:pPr>
+            <a:r>
+              <a:rPr lang="en-US" sz="2000" dirty="0"/>
+              <a:t>!/bin/bash</a:t>
+            </a:r>
+          </a:p>
+          <a:p>
+            <a:pPr marL="457200" lvl="1" indent="0">
+              <a:buNone/>
+            </a:pPr>
+            <a:r>
+              <a:rPr lang="en-US" sz="2000" dirty="0"/>
+              <a:t># Provides: </a:t>
+            </a:r>
+            <a:r>
+              <a:rPr lang="en-US" sz="2000" dirty="0" err="1"/>
+              <a:t>MyService</a:t>
+            </a:r>
+            <a:endParaRPr lang="en-US" sz="2000" dirty="0"/>
+          </a:p>
+          <a:p>
+            <a:pPr marL="457200" lvl="1" indent="0">
+              <a:buNone/>
+            </a:pPr>
+            <a:r>
+              <a:rPr lang="en-US" sz="2000" dirty="0"/>
+              <a:t># Required-Start:    $all</a:t>
+            </a:r>
+          </a:p>
+          <a:p>
+            <a:pPr marL="457200" lvl="1" indent="0">
+              <a:buNone/>
+            </a:pPr>
+            <a:r>
+              <a:rPr lang="en-US" sz="2000" dirty="0"/>
+              <a:t># Required-Stop: </a:t>
+            </a:r>
+          </a:p>
+          <a:p>
+            <a:pPr marL="457200" lvl="1" indent="0">
+              <a:buNone/>
+            </a:pPr>
+            <a:r>
+              <a:rPr lang="en-US" sz="2000" dirty="0"/>
+              <a:t># Default-Start:     5 </a:t>
+            </a:r>
+          </a:p>
+          <a:p>
+            <a:pPr marL="457200" lvl="1" indent="0">
+              <a:buNone/>
+            </a:pPr>
+            <a:r>
+              <a:rPr lang="en-US" sz="2000" dirty="0"/>
+              <a:t># Default-Stop:      6 </a:t>
+            </a:r>
+          </a:p>
+          <a:p>
+            <a:pPr marL="457200" lvl="1" indent="0">
+              <a:buNone/>
+            </a:pPr>
+            <a:r>
+              <a:rPr lang="en-US" sz="2000" dirty="0"/>
+              <a:t># Short-Description: Your service description</a:t>
+            </a:r>
+          </a:p>
+          <a:p>
+            <a:pPr marL="457200" lvl="1" indent="0">
+              <a:buNone/>
+            </a:pPr>
+            <a:r>
+              <a:rPr lang="en-US" sz="2000" dirty="0"/>
+              <a:t>python3 program.py</a:t>
+            </a:r>
+          </a:p>
+          <a:p>
+            <a:r>
+              <a:rPr lang="fr-FR" dirty="0" err="1"/>
+              <a:t>sudo</a:t>
+            </a:r>
+            <a:r>
+              <a:rPr lang="fr-FR" dirty="0"/>
+              <a:t> chmod +x /</a:t>
+            </a:r>
+            <a:r>
+              <a:rPr lang="fr-FR" dirty="0" err="1"/>
+              <a:t>etc</a:t>
+            </a:r>
+            <a:r>
+              <a:rPr lang="fr-FR" dirty="0"/>
+              <a:t>/</a:t>
+            </a:r>
+            <a:r>
+              <a:rPr lang="fr-FR" dirty="0" err="1"/>
+              <a:t>init.d</a:t>
+            </a:r>
+            <a:r>
+              <a:rPr lang="fr-FR" dirty="0"/>
+              <a:t>/</a:t>
+            </a:r>
+            <a:r>
+              <a:rPr lang="fr-FR" dirty="0" err="1"/>
+              <a:t>myservice</a:t>
+            </a:r>
+            <a:endParaRPr lang="fr-FR" dirty="0"/>
+          </a:p>
+          <a:p>
+            <a:r>
+              <a:rPr lang="en-US" dirty="0" err="1"/>
+              <a:t>sudo</a:t>
+            </a:r>
+            <a:r>
+              <a:rPr lang="en-US" dirty="0"/>
+              <a:t> update-</a:t>
+            </a:r>
+            <a:r>
+              <a:rPr lang="en-US" dirty="0" err="1"/>
+              <a:t>rc.d</a:t>
+            </a:r>
+            <a:r>
+              <a:rPr lang="en-US" dirty="0"/>
+              <a:t> </a:t>
+            </a:r>
+            <a:r>
+              <a:rPr lang="en-US" dirty="0" err="1"/>
+              <a:t>myservice</a:t>
+            </a:r>
+            <a:r>
+              <a:rPr lang="en-US"/>
+              <a:t> </a:t>
+            </a:r>
+            <a:r>
+              <a:rPr lang="en-US" dirty="0"/>
+              <a:t>defaults</a:t>
+            </a:r>
+          </a:p>
+          <a:p>
+            <a:pPr marL="457200" lvl="1" indent="0">
+              <a:buNone/>
+            </a:pPr>
+            <a:endParaRPr lang="fr-FR" sz="2000" dirty="0"/>
+          </a:p>
+        </p:txBody>
+      </p:sp>
+    </p:spTree>
+    <p:extLst>
+      <p:ext uri="{BB962C8B-B14F-4D97-AF65-F5344CB8AC3E}">
+        <p14:creationId xmlns:p14="http://schemas.microsoft.com/office/powerpoint/2010/main" val="3396268373"/>
       </p:ext>
     </p:extLst>
   </p:cSld>

--- a/ppt/IoT10-HTTP.pptx
+++ b/ppt/IoT10-HTTP.pptx
@@ -887,6 +887,130 @@
     </a:lvl9pPr>
   </p:notesStyle>
 </p:notesMaster>
+</file>
+
+<file path=ppt/notesSlides/notesSlide1.xml><?xml version="1.0" encoding="utf-8"?>
+<p:notes xmlns:a="http://schemas.openxmlformats.org/drawingml/2006/main" xmlns:r="http://schemas.openxmlformats.org/officeDocument/2006/relationships" xmlns:p="http://schemas.openxmlformats.org/presentationml/2006/main">
+  <p:cSld>
+    <p:spTree>
+      <p:nvGrpSpPr>
+        <p:cNvPr id="1" name=""/>
+        <p:cNvGrpSpPr/>
+        <p:nvPr/>
+      </p:nvGrpSpPr>
+      <p:grpSpPr>
+        <a:xfrm>
+          <a:off x="0" y="0"/>
+          <a:ext cx="0" cy="0"/>
+          <a:chOff x="0" y="0"/>
+          <a:chExt cx="0" cy="0"/>
+        </a:xfrm>
+      </p:grpSpPr>
+      <p:sp>
+        <p:nvSpPr>
+          <p:cNvPr id="2" name="Espace réservé de l'image des diapositives 1"/>
+          <p:cNvSpPr>
+            <a:spLocks noGrp="1" noRot="1" noChangeAspect="1"/>
+          </p:cNvSpPr>
+          <p:nvPr>
+            <p:ph type="sldImg"/>
+          </p:nvPr>
+        </p:nvSpPr>
+        <p:spPr>
+          <a:xfrm>
+            <a:off x="877888" y="733425"/>
+            <a:ext cx="4892675" cy="3670300"/>
+          </a:xfrm>
+        </p:spPr>
+      </p:sp>
+      <p:sp>
+        <p:nvSpPr>
+          <p:cNvPr id="3" name="Espace réservé des notes 2"/>
+          <p:cNvSpPr>
+            <a:spLocks noGrp="1"/>
+          </p:cNvSpPr>
+          <p:nvPr>
+            <p:ph type="body" idx="1"/>
+          </p:nvPr>
+        </p:nvSpPr>
+        <p:spPr/>
+        <p:txBody>
+          <a:bodyPr/>
+          <a:lstStyle/>
+          <a:p>
+            <a:endParaRPr lang="fr-FR" dirty="0"/>
+          </a:p>
+        </p:txBody>
+      </p:sp>
+      <p:sp>
+        <p:nvSpPr>
+          <p:cNvPr id="4" name="Espace réservé du pied de page 3"/>
+          <p:cNvSpPr>
+            <a:spLocks noGrp="1"/>
+          </p:cNvSpPr>
+          <p:nvPr>
+            <p:ph type="ftr" sz="quarter" idx="4"/>
+          </p:nvPr>
+        </p:nvSpPr>
+        <p:spPr/>
+        <p:txBody>
+          <a:bodyPr/>
+          <a:lstStyle/>
+          <a:p>
+            <a:pPr>
+              <a:defRPr/>
+            </a:pPr>
+            <a:r>
+              <a:rPr lang="fr-FR"/>
+              <a:t>© HANDSHAKE - Philippe MASINA</a:t>
+            </a:r>
+          </a:p>
+        </p:txBody>
+      </p:sp>
+      <p:sp>
+        <p:nvSpPr>
+          <p:cNvPr id="5" name="Espace réservé du numéro de diapositive 4"/>
+          <p:cNvSpPr>
+            <a:spLocks noGrp="1"/>
+          </p:cNvSpPr>
+          <p:nvPr>
+            <p:ph type="sldNum" sz="quarter" idx="5"/>
+          </p:nvPr>
+        </p:nvSpPr>
+        <p:spPr/>
+        <p:txBody>
+          <a:bodyPr/>
+          <a:lstStyle/>
+          <a:p>
+            <a:pPr>
+              <a:defRPr/>
+            </a:pPr>
+            <a:r>
+              <a:rPr lang="fr-FR"/>
+              <a:t>I-</a:t>
+            </a:r>
+            <a:fld id="{88B410AF-14E7-4D87-8C8E-6E377E0C2388}" type="slidenum">
+              <a:rPr lang="fr-FR" smtClean="0"/>
+              <a:pPr>
+                <a:defRPr/>
+              </a:pPr>
+              <a:t>1</a:t>
+            </a:fld>
+            <a:endParaRPr lang="fr-FR"/>
+          </a:p>
+        </p:txBody>
+      </p:sp>
+    </p:spTree>
+    <p:extLst>
+      <p:ext uri="{BB962C8B-B14F-4D97-AF65-F5344CB8AC3E}">
+        <p14:creationId xmlns:p14="http://schemas.microsoft.com/office/powerpoint/2010/main" val="1580069661"/>
+      </p:ext>
+    </p:extLst>
+  </p:cSld>
+  <p:clrMapOvr>
+    <a:masterClrMapping/>
+  </p:clrMapOvr>
+</p:notes>
 </file>
 
 <file path=ppt/slideLayouts/slideLayout1.xml><?xml version="1.0" encoding="utf-8"?>
@@ -3886,7 +4010,7 @@
           <a:p>
             <a:r>
               <a:rPr lang="fr-FR" dirty="0"/>
-              <a:t>PIP </a:t>
+              <a:t>PIP3 </a:t>
             </a:r>
             <a:r>
               <a:rPr lang="fr-FR" dirty="0" err="1"/>
@@ -3894,13 +4018,8 @@
             </a:r>
             <a:r>
               <a:rPr lang="fr-FR" dirty="0"/>
-              <a:t> </a:t>
-            </a:r>
-            <a:r>
-              <a:rPr lang="fr-FR" dirty="0" err="1"/>
-              <a:t>Flask</a:t>
-            </a:r>
-            <a:endParaRPr lang="fr-FR" dirty="0"/>
+              <a:t> Flask</a:t>
+            </a:r>
           </a:p>
           <a:p>
             <a:r>
@@ -4686,12 +4805,8 @@
               <a:t>myservice</a:t>
             </a:r>
             <a:r>
-              <a:rPr lang="en-US"/>
-              <a:t> </a:t>
-            </a:r>
-            <a:r>
               <a:rPr lang="en-US" dirty="0"/>
-              <a:t>defaults</a:t>
+              <a:t> defaults</a:t>
             </a:r>
           </a:p>
           <a:p>
